--- a/website/受控文件/uml课程ppt/UML基础I.pptx
+++ b/website/受控文件/uml课程ppt/UML基础I.pptx
@@ -337,7 +337,7 @@
           <a:p>
             <a:fld id="{530820CF-B880-4189-942D-D702A7CBA730}" type="datetimeFigureOut">
               <a:rPr lang="zh-CN" altLang="en-US" smtClean="0"/>
-              <a:t>2017/11/12</a:t>
+              <a:t>2017/11/19</a:t>
             </a:fld>
             <a:endParaRPr lang="zh-CN" altLang="en-US"/>
           </a:p>
@@ -502,7 +502,7 @@
           <a:p>
             <a:fld id="{530820CF-B880-4189-942D-D702A7CBA730}" type="datetimeFigureOut">
               <a:rPr lang="zh-CN" altLang="en-US" smtClean="0"/>
-              <a:t>2017/11/12</a:t>
+              <a:t>2017/11/19</a:t>
             </a:fld>
             <a:endParaRPr lang="zh-CN" altLang="en-US"/>
           </a:p>
@@ -677,7 +677,7 @@
           <a:p>
             <a:fld id="{530820CF-B880-4189-942D-D702A7CBA730}" type="datetimeFigureOut">
               <a:rPr lang="zh-CN" altLang="en-US" smtClean="0"/>
-              <a:t>2017/11/12</a:t>
+              <a:t>2017/11/19</a:t>
             </a:fld>
             <a:endParaRPr lang="zh-CN" altLang="en-US"/>
           </a:p>
@@ -1007,7 +1007,7 @@
               <a:pPr>
                 <a:defRPr/>
               </a:pPr>
-              <a:t>2017/11/12</a:t>
+              <a:t>2017/11/19</a:t>
             </a:fld>
             <a:endParaRPr lang="zh-CN" altLang="en-US">
               <a:solidFill>
@@ -1320,7 +1320,7 @@
               <a:pPr>
                 <a:defRPr/>
               </a:pPr>
-              <a:t>2017/11/12</a:t>
+              <a:t>2017/11/19</a:t>
             </a:fld>
             <a:endParaRPr lang="zh-CN" altLang="en-US">
               <a:solidFill>
@@ -1738,7 +1738,7 @@
               <a:pPr>
                 <a:defRPr/>
               </a:pPr>
-              <a:t>2017/11/12</a:t>
+              <a:t>2017/11/19</a:t>
             </a:fld>
             <a:endParaRPr lang="zh-CN" altLang="en-US">
               <a:solidFill>
@@ -2164,7 +2164,7 @@
               <a:pPr>
                 <a:defRPr/>
               </a:pPr>
-              <a:t>2017/11/12</a:t>
+              <a:t>2017/11/19</a:t>
             </a:fld>
             <a:endParaRPr lang="zh-CN" altLang="en-US">
               <a:solidFill>
@@ -2804,7 +2804,7 @@
               <a:pPr>
                 <a:defRPr/>
               </a:pPr>
-              <a:t>2017/11/12</a:t>
+              <a:t>2017/11/19</a:t>
             </a:fld>
             <a:endParaRPr lang="zh-CN" altLang="en-US">
               <a:solidFill>
@@ -3060,7 +3060,7 @@
               <a:pPr>
                 <a:defRPr/>
               </a:pPr>
-              <a:t>2017/11/12</a:t>
+              <a:t>2017/11/19</a:t>
             </a:fld>
             <a:endParaRPr lang="zh-CN" altLang="en-US">
               <a:solidFill>
@@ -3229,7 +3229,7 @@
               <a:pPr>
                 <a:defRPr/>
               </a:pPr>
-              <a:t>2017/11/12</a:t>
+              <a:t>2017/11/19</a:t>
             </a:fld>
             <a:endParaRPr lang="zh-CN" altLang="en-US">
               <a:solidFill>
@@ -3673,7 +3673,7 @@
               <a:pPr>
                 <a:defRPr/>
               </a:pPr>
-              <a:t>2017/11/12</a:t>
+              <a:t>2017/11/19</a:t>
             </a:fld>
             <a:endParaRPr lang="zh-CN" altLang="en-US">
               <a:solidFill>
@@ -3888,7 +3888,7 @@
           <a:p>
             <a:fld id="{530820CF-B880-4189-942D-D702A7CBA730}" type="datetimeFigureOut">
               <a:rPr lang="zh-CN" altLang="en-US" smtClean="0"/>
-              <a:t>2017/11/12</a:t>
+              <a:t>2017/11/19</a:t>
             </a:fld>
             <a:endParaRPr lang="zh-CN" altLang="en-US"/>
           </a:p>
@@ -4259,7 +4259,7 @@
               <a:pPr>
                 <a:defRPr/>
               </a:pPr>
-              <a:t>2017/11/12</a:t>
+              <a:t>2017/11/19</a:t>
             </a:fld>
             <a:endParaRPr lang="zh-CN" altLang="en-US">
               <a:solidFill>
@@ -4567,7 +4567,7 @@
               <a:pPr>
                 <a:defRPr/>
               </a:pPr>
-              <a:t>2017/11/12</a:t>
+              <a:t>2017/11/19</a:t>
             </a:fld>
             <a:endParaRPr lang="zh-CN" altLang="en-US">
               <a:solidFill>
@@ -4809,7 +4809,7 @@
               <a:pPr>
                 <a:defRPr/>
               </a:pPr>
-              <a:t>2017/11/12</a:t>
+              <a:t>2017/11/19</a:t>
             </a:fld>
             <a:endParaRPr lang="zh-CN" altLang="en-US">
               <a:solidFill>
@@ -5189,7 +5189,7 @@
               <a:pPr>
                 <a:defRPr/>
               </a:pPr>
-              <a:t>2017/11/12</a:t>
+              <a:t>2017/11/19</a:t>
             </a:fld>
             <a:endParaRPr lang="zh-CN" altLang="en-US">
               <a:solidFill>
@@ -5502,7 +5502,7 @@
               <a:pPr>
                 <a:defRPr/>
               </a:pPr>
-              <a:t>2017/11/12</a:t>
+              <a:t>2017/11/19</a:t>
             </a:fld>
             <a:endParaRPr lang="zh-CN" altLang="en-US">
               <a:solidFill>
@@ -5920,7 +5920,7 @@
               <a:pPr>
                 <a:defRPr/>
               </a:pPr>
-              <a:t>2017/11/12</a:t>
+              <a:t>2017/11/19</a:t>
             </a:fld>
             <a:endParaRPr lang="zh-CN" altLang="en-US">
               <a:solidFill>
@@ -6346,7 +6346,7 @@
               <a:pPr>
                 <a:defRPr/>
               </a:pPr>
-              <a:t>2017/11/12</a:t>
+              <a:t>2017/11/19</a:t>
             </a:fld>
             <a:endParaRPr lang="zh-CN" altLang="en-US">
               <a:solidFill>
@@ -6986,7 +6986,7 @@
               <a:pPr>
                 <a:defRPr/>
               </a:pPr>
-              <a:t>2017/11/12</a:t>
+              <a:t>2017/11/19</a:t>
             </a:fld>
             <a:endParaRPr lang="zh-CN" altLang="en-US">
               <a:solidFill>
@@ -7242,7 +7242,7 @@
               <a:pPr>
                 <a:defRPr/>
               </a:pPr>
-              <a:t>2017/11/12</a:t>
+              <a:t>2017/11/19</a:t>
             </a:fld>
             <a:endParaRPr lang="zh-CN" altLang="en-US">
               <a:solidFill>
@@ -7411,7 +7411,7 @@
               <a:pPr>
                 <a:defRPr/>
               </a:pPr>
-              <a:t>2017/11/12</a:t>
+              <a:t>2017/11/19</a:t>
             </a:fld>
             <a:endParaRPr lang="zh-CN" altLang="en-US">
               <a:solidFill>
@@ -7702,7 +7702,7 @@
           <a:p>
             <a:fld id="{530820CF-B880-4189-942D-D702A7CBA730}" type="datetimeFigureOut">
               <a:rPr lang="zh-CN" altLang="en-US" smtClean="0"/>
-              <a:t>2017/11/12</a:t>
+              <a:t>2017/11/19</a:t>
             </a:fld>
             <a:endParaRPr lang="zh-CN" altLang="en-US"/>
           </a:p>
@@ -8096,7 +8096,7 @@
               <a:pPr>
                 <a:defRPr/>
               </a:pPr>
-              <a:t>2017/11/12</a:t>
+              <a:t>2017/11/19</a:t>
             </a:fld>
             <a:endParaRPr lang="zh-CN" altLang="en-US">
               <a:solidFill>
@@ -8517,7 +8517,7 @@
               <a:pPr>
                 <a:defRPr/>
               </a:pPr>
-              <a:t>2017/11/12</a:t>
+              <a:t>2017/11/19</a:t>
             </a:fld>
             <a:endParaRPr lang="zh-CN" altLang="en-US">
               <a:solidFill>
@@ -8825,7 +8825,7 @@
               <a:pPr>
                 <a:defRPr/>
               </a:pPr>
-              <a:t>2017/11/12</a:t>
+              <a:t>2017/11/19</a:t>
             </a:fld>
             <a:endParaRPr lang="zh-CN" altLang="en-US">
               <a:solidFill>
@@ -9067,7 +9067,7 @@
               <a:pPr>
                 <a:defRPr/>
               </a:pPr>
-              <a:t>2017/11/12</a:t>
+              <a:t>2017/11/19</a:t>
             </a:fld>
             <a:endParaRPr lang="zh-CN" altLang="en-US">
               <a:solidFill>
@@ -9447,7 +9447,7 @@
               <a:pPr>
                 <a:defRPr/>
               </a:pPr>
-              <a:t>2017/11/12</a:t>
+              <a:t>2017/11/19</a:t>
             </a:fld>
             <a:endParaRPr lang="zh-CN" altLang="en-US">
               <a:solidFill>
@@ -9760,7 +9760,7 @@
               <a:pPr>
                 <a:defRPr/>
               </a:pPr>
-              <a:t>2017/11/12</a:t>
+              <a:t>2017/11/19</a:t>
             </a:fld>
             <a:endParaRPr lang="zh-CN" altLang="en-US">
               <a:solidFill>
@@ -10178,7 +10178,7 @@
               <a:pPr>
                 <a:defRPr/>
               </a:pPr>
-              <a:t>2017/11/12</a:t>
+              <a:t>2017/11/19</a:t>
             </a:fld>
             <a:endParaRPr lang="zh-CN" altLang="en-US">
               <a:solidFill>
@@ -10604,7 +10604,7 @@
               <a:pPr>
                 <a:defRPr/>
               </a:pPr>
-              <a:t>2017/11/12</a:t>
+              <a:t>2017/11/19</a:t>
             </a:fld>
             <a:endParaRPr lang="zh-CN" altLang="en-US">
               <a:solidFill>
@@ -11244,7 +11244,7 @@
               <a:pPr>
                 <a:defRPr/>
               </a:pPr>
-              <a:t>2017/11/12</a:t>
+              <a:t>2017/11/19</a:t>
             </a:fld>
             <a:endParaRPr lang="zh-CN" altLang="en-US">
               <a:solidFill>
@@ -11500,7 +11500,7 @@
               <a:pPr>
                 <a:defRPr/>
               </a:pPr>
-              <a:t>2017/11/12</a:t>
+              <a:t>2017/11/19</a:t>
             </a:fld>
             <a:endParaRPr lang="zh-CN" altLang="en-US">
               <a:solidFill>
@@ -11833,7 +11833,7 @@
           <a:p>
             <a:fld id="{530820CF-B880-4189-942D-D702A7CBA730}" type="datetimeFigureOut">
               <a:rPr lang="zh-CN" altLang="en-US" smtClean="0"/>
-              <a:t>2017/11/12</a:t>
+              <a:t>2017/11/19</a:t>
             </a:fld>
             <a:endParaRPr lang="zh-CN" altLang="en-US"/>
           </a:p>
@@ -11952,7 +11952,7 @@
               <a:pPr>
                 <a:defRPr/>
               </a:pPr>
-              <a:t>2017/11/12</a:t>
+              <a:t>2017/11/19</a:t>
             </a:fld>
             <a:endParaRPr lang="zh-CN" altLang="en-US">
               <a:solidFill>
@@ -12396,7 +12396,7 @@
               <a:pPr>
                 <a:defRPr/>
               </a:pPr>
-              <a:t>2017/11/12</a:t>
+              <a:t>2017/11/19</a:t>
             </a:fld>
             <a:endParaRPr lang="zh-CN" altLang="en-US">
               <a:solidFill>
@@ -12817,7 +12817,7 @@
               <a:pPr>
                 <a:defRPr/>
               </a:pPr>
-              <a:t>2017/11/12</a:t>
+              <a:t>2017/11/19</a:t>
             </a:fld>
             <a:endParaRPr lang="zh-CN" altLang="en-US">
               <a:solidFill>
@@ -13125,7 +13125,7 @@
               <a:pPr>
                 <a:defRPr/>
               </a:pPr>
-              <a:t>2017/11/12</a:t>
+              <a:t>2017/11/19</a:t>
             </a:fld>
             <a:endParaRPr lang="zh-CN" altLang="en-US">
               <a:solidFill>
@@ -13367,7 +13367,7 @@
               <a:pPr>
                 <a:defRPr/>
               </a:pPr>
-              <a:t>2017/11/12</a:t>
+              <a:t>2017/11/19</a:t>
             </a:fld>
             <a:endParaRPr lang="zh-CN" altLang="en-US">
               <a:solidFill>
@@ -13834,7 +13834,7 @@
           <a:p>
             <a:fld id="{530820CF-B880-4189-942D-D702A7CBA730}" type="datetimeFigureOut">
               <a:rPr lang="zh-CN" altLang="en-US" smtClean="0"/>
-              <a:t>2017/11/12</a:t>
+              <a:t>2017/11/19</a:t>
             </a:fld>
             <a:endParaRPr lang="zh-CN" altLang="en-US"/>
           </a:p>
@@ -13947,7 +13947,7 @@
           <a:p>
             <a:fld id="{530820CF-B880-4189-942D-D702A7CBA730}" type="datetimeFigureOut">
               <a:rPr lang="zh-CN" altLang="en-US" smtClean="0"/>
-              <a:t>2017/11/12</a:t>
+              <a:t>2017/11/19</a:t>
             </a:fld>
             <a:endParaRPr lang="zh-CN" altLang="en-US"/>
           </a:p>
@@ -14037,7 +14037,7 @@
           <a:p>
             <a:fld id="{530820CF-B880-4189-942D-D702A7CBA730}" type="datetimeFigureOut">
               <a:rPr lang="zh-CN" altLang="en-US" smtClean="0"/>
-              <a:t>2017/11/12</a:t>
+              <a:t>2017/11/19</a:t>
             </a:fld>
             <a:endParaRPr lang="zh-CN" altLang="en-US"/>
           </a:p>
@@ -14309,7 +14309,7 @@
           <a:p>
             <a:fld id="{530820CF-B880-4189-942D-D702A7CBA730}" type="datetimeFigureOut">
               <a:rPr lang="zh-CN" altLang="en-US" smtClean="0"/>
-              <a:t>2017/11/12</a:t>
+              <a:t>2017/11/19</a:t>
             </a:fld>
             <a:endParaRPr lang="zh-CN" altLang="en-US"/>
           </a:p>
@@ -14557,7 +14557,7 @@
           <a:p>
             <a:fld id="{530820CF-B880-4189-942D-D702A7CBA730}" type="datetimeFigureOut">
               <a:rPr lang="zh-CN" altLang="en-US" smtClean="0"/>
-              <a:t>2017/11/12</a:t>
+              <a:t>2017/11/19</a:t>
             </a:fld>
             <a:endParaRPr lang="zh-CN" altLang="en-US"/>
           </a:p>
@@ -14765,7 +14765,7 @@
           <a:p>
             <a:fld id="{530820CF-B880-4189-942D-D702A7CBA730}" type="datetimeFigureOut">
               <a:rPr lang="zh-CN" altLang="en-US" smtClean="0"/>
-              <a:t>2017/11/12</a:t>
+              <a:t>2017/11/19</a:t>
             </a:fld>
             <a:endParaRPr lang="zh-CN" altLang="en-US"/>
           </a:p>
@@ -15430,7 +15430,7 @@
                 </a:spcAft>
                 <a:defRPr/>
               </a:pPr>
-              <a:t>11/12/2017</a:t>
+              <a:t>11/19/2017</a:t>
             </a:fld>
             <a:endParaRPr lang="en-US" dirty="0">
               <a:solidFill>
@@ -16362,7 +16362,7 @@
                 </a:spcAft>
                 <a:defRPr/>
               </a:pPr>
-              <a:t>11/12/2017</a:t>
+              <a:t>11/19/2017</a:t>
             </a:fld>
             <a:endParaRPr lang="en-US" dirty="0">
               <a:solidFill>
@@ -17294,7 +17294,7 @@
                 </a:spcAft>
                 <a:defRPr/>
               </a:pPr>
-              <a:t>11/12/2017</a:t>
+              <a:t>11/19/2017</a:t>
             </a:fld>
             <a:endParaRPr lang="en-US" dirty="0">
               <a:solidFill>
@@ -18764,7 +18764,19 @@
           <a:p>
             <a:r>
               <a:rPr lang="zh-CN" altLang="en-US" sz="2800" dirty="0"/>
-              <a:t>扩展：扩展关系是指用例功能的延伸。与包含关系不同的是，扩展用例是可选的，如果缺少扩展用例。不会影响到</a:t>
+              <a:t>扩展：</a:t>
+            </a:r>
+            <a:r>
+              <a:rPr lang="zh-CN" altLang="en-US" sz="2800" dirty="0">
+                <a:solidFill>
+                  <a:srgbClr val="FF0000"/>
+                </a:solidFill>
+              </a:rPr>
+              <a:t>扩展关系是指用例功能的延伸。</a:t>
+            </a:r>
+            <a:r>
+              <a:rPr lang="zh-CN" altLang="en-US" sz="2800" dirty="0"/>
+              <a:t>与包含关系不同的是，扩展用例是可选的，如果缺少扩展用例。不会影响到</a:t>
             </a:r>
             <a:r>
               <a:rPr lang="zh-CN" altLang="en-US" sz="2800" dirty="0" smtClean="0"/>
@@ -18778,30 +18790,62 @@
           <a:p>
             <a:r>
               <a:rPr lang="zh-CN" altLang="en-US" sz="2800" dirty="0"/>
-              <a:t>　　在</a:t>
-            </a:r>
-            <a:r>
-              <a:rPr lang="en-US" altLang="zh-CN" sz="2800" dirty="0"/>
+              <a:t>　　</a:t>
+            </a:r>
+            <a:r>
+              <a:rPr lang="zh-CN" altLang="en-US" sz="2800" dirty="0">
+                <a:solidFill>
+                  <a:srgbClr val="FF0000"/>
+                </a:solidFill>
+              </a:rPr>
+              <a:t>在</a:t>
+            </a:r>
+            <a:r>
+              <a:rPr lang="en-US" altLang="zh-CN" sz="2800" dirty="0">
+                <a:solidFill>
+                  <a:srgbClr val="FF0000"/>
+                </a:solidFill>
+              </a:rPr>
               <a:t>UML</a:t>
             </a:r>
             <a:r>
-              <a:rPr lang="zh-CN" altLang="en-US" sz="2800" dirty="0"/>
+              <a:rPr lang="zh-CN" altLang="en-US" sz="2800" dirty="0">
+                <a:solidFill>
+                  <a:srgbClr val="FF0000"/>
+                </a:solidFill>
+              </a:rPr>
               <a:t>中，扩展关系用带箭头的虚线段加</a:t>
             </a:r>
             <a:r>
-              <a:rPr lang="en-US" altLang="zh-CN" sz="2800" dirty="0"/>
+              <a:rPr lang="en-US" altLang="zh-CN" sz="2800" dirty="0">
+                <a:solidFill>
+                  <a:srgbClr val="FF0000"/>
+                </a:solidFill>
+              </a:rPr>
               <a:t>《extend》</a:t>
             </a:r>
             <a:r>
-              <a:rPr lang="zh-CN" altLang="en-US" sz="2800" dirty="0"/>
+              <a:rPr lang="zh-CN" altLang="en-US" sz="2800" dirty="0">
+                <a:solidFill>
+                  <a:srgbClr val="FF0000"/>
+                </a:solidFill>
+              </a:rPr>
               <a:t>表示，要注意的是箭头指向</a:t>
             </a:r>
             <a:r>
-              <a:rPr lang="zh-CN" altLang="en-US" sz="2800" dirty="0" smtClean="0"/>
+              <a:rPr lang="zh-CN" altLang="en-US" sz="2800" dirty="0" smtClean="0">
+                <a:solidFill>
+                  <a:srgbClr val="FF0000"/>
+                </a:solidFill>
+              </a:rPr>
               <a:t>基本用例</a:t>
             </a:r>
             <a:r>
-              <a:rPr lang="zh-CN" altLang="en-US" sz="2800" dirty="0"/>
+              <a:rPr lang="zh-CN" altLang="en-US" sz="2800" dirty="0">
+                <a:solidFill>
+                  <a:srgbClr val="FF0000"/>
+                </a:solidFill>
+              </a:rPr>
               <a:t>。</a:t>
             </a:r>
           </a:p>
@@ -18891,20 +18935,44 @@
           <a:p>
             <a:r>
               <a:rPr lang="zh-CN" altLang="en-US" sz="2800" dirty="0"/>
-              <a:t>泛化：用例的泛化指的是一个父用例可以被特化形成多个子用例，用我们熟悉的语言来说就是继承关系。</a:t>
+              <a:t>泛化：</a:t>
+            </a:r>
+            <a:r>
+              <a:rPr lang="zh-CN" altLang="en-US" sz="2800" dirty="0">
+                <a:solidFill>
+                  <a:srgbClr val="FF0000"/>
+                </a:solidFill>
+              </a:rPr>
+              <a:t>用例的泛化指的是一个父用例可以被特化形成多个子用例，用我们熟悉的语言来说就是继承关系。</a:t>
             </a:r>
           </a:p>
           <a:p>
             <a:r>
               <a:rPr lang="zh-CN" altLang="en-US" sz="2800" dirty="0"/>
-              <a:t>　　在</a:t>
-            </a:r>
-            <a:r>
-              <a:rPr lang="en-US" altLang="zh-CN" sz="2800" dirty="0"/>
+              <a:t>　　</a:t>
+            </a:r>
+            <a:r>
+              <a:rPr lang="zh-CN" altLang="en-US" sz="2800" dirty="0">
+                <a:solidFill>
+                  <a:srgbClr val="FF0000"/>
+                </a:solidFill>
+              </a:rPr>
+              <a:t>在</a:t>
+            </a:r>
+            <a:r>
+              <a:rPr lang="en-US" altLang="zh-CN" sz="2800" dirty="0">
+                <a:solidFill>
+                  <a:srgbClr val="FF0000"/>
+                </a:solidFill>
+              </a:rPr>
               <a:t>UML</a:t>
             </a:r>
             <a:r>
-              <a:rPr lang="zh-CN" altLang="en-US" sz="2800" dirty="0"/>
+              <a:rPr lang="zh-CN" altLang="en-US" sz="2800" dirty="0">
+                <a:solidFill>
+                  <a:srgbClr val="FF0000"/>
+                </a:solidFill>
+              </a:rPr>
               <a:t>中，泛化关系用空心箭头表示，箭头指向的是父用例。</a:t>
             </a:r>
           </a:p>
@@ -19318,16 +19386,32 @@
           <a:lstStyle/>
           <a:p>
             <a:r>
+              <a:rPr lang="zh-CN" altLang="en-US" sz="2800" dirty="0">
+                <a:solidFill>
+                  <a:srgbClr val="FF0000"/>
+                </a:solidFill>
+              </a:rPr>
+              <a:t>类</a:t>
+            </a:r>
+            <a:r>
+              <a:rPr lang="en-US" altLang="zh-CN" sz="2800" dirty="0">
+                <a:solidFill>
+                  <a:srgbClr val="FF0000"/>
+                </a:solidFill>
+              </a:rPr>
+              <a:t>(Class)</a:t>
+            </a:r>
+            <a:r>
+              <a:rPr lang="zh-CN" altLang="en-US" sz="2800" dirty="0">
+                <a:solidFill>
+                  <a:srgbClr val="FF0000"/>
+                </a:solidFill>
+              </a:rPr>
+              <a:t>封装了数据和行为，是面向对象的重要组成部分，它是具有相同属性、操作、关系的对象集合的总称。</a:t>
+            </a:r>
+            <a:r>
               <a:rPr lang="zh-CN" altLang="en-US" sz="2800" dirty="0"/>
-              <a:t>类</a:t>
-            </a:r>
-            <a:r>
-              <a:rPr lang="en-US" altLang="zh-CN" sz="2800" dirty="0"/>
-              <a:t>(Class)</a:t>
-            </a:r>
-            <a:r>
-              <a:rPr lang="zh-CN" altLang="en-US" sz="2800" dirty="0"/>
-              <a:t>封装了数据和行为，是面向对象的重要组成部分，它是具有相同属性、操作、关系的对象集合的总称。在系统中，每个类都具有一定的职责，职责指的是类要完成什么样的功能，要承担什么样的义务。一个类可以有多种职责，设计得好的类一般只有一种职责。在定义类的时候，将类的职责分解成为类的属性和操作（即方法）。类的属性即类的数据职责，类的操作即类的行为职责。设计类是面向对象设计中最重要的组成部分，也是最复杂和最耗时的部分。</a:t>
+              <a:t>在系统中，每个类都具有一定的职责，职责指的是类要完成什么样的功能，要承担什么样的义务。一个类可以有多种职责，设计得好的类一般只有一种职责。在定义类的时候，将类的职责分解成为类的属性和操作（即方法）。类的属性即类的数据职责，类的操作即类的行为职责。设计类是面向对象设计中最重要的组成部分，也是最复杂和最耗时的部分。</a:t>
             </a:r>
             <a:endParaRPr lang="zh-TW" altLang="en-US" sz="2800" dirty="0"/>
           </a:p>
@@ -19605,36 +19689,72 @@
               <a:t>在系统分析与设计阶段，</a:t>
             </a:r>
             <a:r>
-              <a:rPr lang="zh-CN" altLang="en-US" sz="1800" b="1" dirty="0" smtClean="0"/>
+              <a:rPr lang="zh-CN" altLang="en-US" sz="1800" b="1" dirty="0" smtClean="0">
+                <a:solidFill>
+                  <a:srgbClr val="FF0000"/>
+                </a:solidFill>
+              </a:rPr>
               <a:t>类通常可以分为三种</a:t>
             </a:r>
             <a:r>
+              <a:rPr lang="zh-CN" altLang="en-US" sz="1800" dirty="0" smtClean="0">
+                <a:solidFill>
+                  <a:srgbClr val="FF0000"/>
+                </a:solidFill>
+              </a:rPr>
+              <a:t>，分别是实体类</a:t>
+            </a:r>
+            <a:r>
+              <a:rPr lang="en-US" altLang="zh-CN" sz="1800" dirty="0" smtClean="0">
+                <a:solidFill>
+                  <a:srgbClr val="FF0000"/>
+                </a:solidFill>
+              </a:rPr>
+              <a:t>(Entity Class)</a:t>
+            </a:r>
+            <a:r>
+              <a:rPr lang="zh-CN" altLang="en-US" sz="1800" dirty="0" smtClean="0">
+                <a:solidFill>
+                  <a:srgbClr val="FF0000"/>
+                </a:solidFill>
+              </a:rPr>
+              <a:t>、控制类</a:t>
+            </a:r>
+            <a:r>
+              <a:rPr lang="en-US" altLang="zh-CN" sz="1800" dirty="0" smtClean="0">
+                <a:solidFill>
+                  <a:srgbClr val="FF0000"/>
+                </a:solidFill>
+              </a:rPr>
+              <a:t>(Control Class)</a:t>
+            </a:r>
+            <a:r>
+              <a:rPr lang="zh-CN" altLang="en-US" sz="1800" dirty="0" smtClean="0">
+                <a:solidFill>
+                  <a:srgbClr val="FF0000"/>
+                </a:solidFill>
+              </a:rPr>
+              <a:t>和边界类</a:t>
+            </a:r>
+            <a:r>
+              <a:rPr lang="en-US" altLang="zh-CN" sz="1800" dirty="0" smtClean="0">
+                <a:solidFill>
+                  <a:srgbClr val="FF0000"/>
+                </a:solidFill>
+              </a:rPr>
+              <a:t>(Boundary Class)</a:t>
+            </a:r>
+            <a:r>
+              <a:rPr lang="zh-CN" altLang="en-US" sz="1800" dirty="0" smtClean="0">
+                <a:solidFill>
+                  <a:srgbClr val="FF0000"/>
+                </a:solidFill>
+              </a:rPr>
+              <a:t>，</a:t>
+            </a:r>
+            <a:r>
               <a:rPr lang="zh-CN" altLang="en-US" sz="1800" dirty="0" smtClean="0"/>
-              <a:t>，分别是实体类</a:t>
-            </a:r>
-            <a:r>
-              <a:rPr lang="en-US" altLang="zh-CN" sz="1800" dirty="0" smtClean="0"/>
-              <a:t>(Entity Class)</a:t>
-            </a:r>
-            <a:r>
-              <a:rPr lang="zh-CN" altLang="en-US" sz="1800" dirty="0" smtClean="0"/>
-              <a:t>、控制类</a:t>
-            </a:r>
-            <a:r>
-              <a:rPr lang="en-US" altLang="zh-CN" sz="1800" dirty="0" smtClean="0"/>
-              <a:t>(Control Class)</a:t>
-            </a:r>
-            <a:r>
-              <a:rPr lang="zh-CN" altLang="en-US" sz="1800" dirty="0" smtClean="0"/>
-              <a:t>和边界类</a:t>
-            </a:r>
-            <a:r>
-              <a:rPr lang="en-US" altLang="zh-CN" sz="1800" dirty="0" smtClean="0"/>
-              <a:t>(Boundary Class)</a:t>
-            </a:r>
-            <a:r>
-              <a:rPr lang="zh-CN" altLang="en-US" sz="1800" dirty="0" smtClean="0"/>
-              <a:t>，下面对这三种类加以简要说明：</a:t>
+              <a:t>下面对这三种类加以简要说明：</a:t>
             </a:r>
           </a:p>
           <a:p>
@@ -20023,7 +20143,19 @@
             </a:r>
             <a:r>
               <a:rPr lang="zh-CN" altLang="en-US" sz="2400" dirty="0" smtClean="0"/>
-              <a:t>第一部分是类名：每个类都必须有一个名字，类名是一个字符串。</a:t>
+              <a:t>第一部分是</a:t>
+            </a:r>
+            <a:r>
+              <a:rPr lang="zh-CN" altLang="en-US" sz="2400" dirty="0" smtClean="0">
+                <a:solidFill>
+                  <a:srgbClr val="FF0000"/>
+                </a:solidFill>
+              </a:rPr>
+              <a:t>类名</a:t>
+            </a:r>
+            <a:r>
+              <a:rPr lang="zh-CN" altLang="en-US" sz="2400" dirty="0" smtClean="0"/>
+              <a:t>：每个类都必须有一个名字，类名是一个字符串。</a:t>
             </a:r>
           </a:p>
           <a:p>
@@ -20033,10 +20165,22 @@
             </a:r>
             <a:r>
               <a:rPr lang="zh-CN" altLang="en-US" sz="2400" dirty="0" smtClean="0"/>
-              <a:t>第二部分是类的属性</a:t>
-            </a:r>
-            <a:r>
-              <a:rPr lang="en-US" altLang="zh-CN" sz="2400" dirty="0" smtClean="0"/>
+              <a:t>第二部分是类的</a:t>
+            </a:r>
+            <a:r>
+              <a:rPr lang="zh-CN" altLang="en-US" sz="2400" dirty="0" smtClean="0">
+                <a:solidFill>
+                  <a:srgbClr val="FF0000"/>
+                </a:solidFill>
+              </a:rPr>
+              <a:t>属性</a:t>
+            </a:r>
+            <a:r>
+              <a:rPr lang="en-US" altLang="zh-CN" sz="2400" dirty="0" smtClean="0">
+                <a:solidFill>
+                  <a:srgbClr val="FF0000"/>
+                </a:solidFill>
+              </a:rPr>
               <a:t>(Attributes)</a:t>
             </a:r>
             <a:r>
@@ -20052,10 +20196,22 @@
             </a:r>
             <a:r>
               <a:rPr lang="zh-CN" altLang="en-US" sz="2400" dirty="0" smtClean="0"/>
-              <a:t>第三部分是类的操作</a:t>
-            </a:r>
-            <a:r>
-              <a:rPr lang="en-US" altLang="zh-CN" sz="2400" dirty="0" smtClean="0"/>
+              <a:t>第三部分是类的</a:t>
+            </a:r>
+            <a:r>
+              <a:rPr lang="zh-CN" altLang="en-US" sz="2400" dirty="0" smtClean="0">
+                <a:solidFill>
+                  <a:srgbClr val="FF0000"/>
+                </a:solidFill>
+              </a:rPr>
+              <a:t>操作</a:t>
+            </a:r>
+            <a:r>
+              <a:rPr lang="en-US" altLang="zh-CN" sz="2400" dirty="0" smtClean="0">
+                <a:solidFill>
+                  <a:srgbClr val="FF0000"/>
+                </a:solidFill>
+              </a:rPr>
               <a:t>(Operations)</a:t>
             </a:r>
             <a:r>
@@ -20486,17 +20642,37 @@
             </a:r>
             <a:r>
               <a:rPr lang="zh-CN" altLang="en-US" sz="2800" dirty="0" smtClean="0"/>
-              <a:t>关系是类与类之间最常用的一种关系，它是一种结构化关系，用于表示一类对象与另一类对象之间有联系，如汽车和轮胎、师傅和徒弟、班级和学生等等。在</a:t>
-            </a:r>
-            <a:r>
-              <a:rPr lang="en-US" altLang="zh-CN" sz="2800" dirty="0" smtClean="0"/>
+              <a:t>关系是类与类之间最常用的一种关系，它是一种结构化关系，用于表示一类对象与另一类对象之间有联系，如汽车和轮胎、师傅和徒弟、班级和学生等等。</a:t>
+            </a:r>
+            <a:r>
+              <a:rPr lang="zh-CN" altLang="en-US" sz="2800" dirty="0" smtClean="0">
+                <a:solidFill>
+                  <a:srgbClr val="FF0000"/>
+                </a:solidFill>
+              </a:rPr>
+              <a:t>在</a:t>
+            </a:r>
+            <a:r>
+              <a:rPr lang="en-US" altLang="zh-CN" sz="2800" dirty="0" smtClean="0">
+                <a:solidFill>
+                  <a:srgbClr val="FF0000"/>
+                </a:solidFill>
+              </a:rPr>
               <a:t>UML</a:t>
             </a:r>
             <a:r>
-              <a:rPr lang="zh-CN" altLang="en-US" sz="2800" dirty="0" smtClean="0"/>
+              <a:rPr lang="zh-CN" altLang="en-US" sz="2800" dirty="0" smtClean="0">
+                <a:solidFill>
+                  <a:srgbClr val="FF0000"/>
+                </a:solidFill>
+              </a:rPr>
               <a:t>类图中，用实线连接有关联关系的对象所对应的类</a:t>
             </a:r>
-            <a:endParaRPr lang="en-US" altLang="zh-CN" sz="2800" dirty="0" smtClean="0"/>
+            <a:endParaRPr lang="en-US" altLang="zh-CN" sz="2800" dirty="0" smtClean="0">
+              <a:solidFill>
+                <a:srgbClr val="FF0000"/>
+              </a:solidFill>
+            </a:endParaRPr>
           </a:p>
           <a:p>
             <a:r>
@@ -20531,6 +20707,36 @@
           </a:p>
         </p:txBody>
       </p:sp>
+      <p:pic>
+        <p:nvPicPr>
+          <p:cNvPr id="4" name="图片 3"/>
+          <p:cNvPicPr>
+            <a:picLocks noChangeAspect="1"/>
+          </p:cNvPicPr>
+          <p:nvPr/>
+        </p:nvPicPr>
+        <p:blipFill>
+          <a:blip r:embed="rId2">
+            <a:extLst>
+              <a:ext uri="{28A0092B-C50C-407E-A947-70E740481C1C}">
+                <a14:useLocalDpi xmlns:a14="http://schemas.microsoft.com/office/drawing/2010/main" val="0"/>
+              </a:ext>
+            </a:extLst>
+          </a:blip>
+          <a:stretch>
+            <a:fillRect/>
+          </a:stretch>
+        </p:blipFill>
+        <p:spPr>
+          <a:xfrm>
+            <a:off x="1331640" y="5622446"/>
+            <a:ext cx="6429375" cy="895350"/>
+          </a:xfrm>
+          <a:prstGeom prst="rect">
+            <a:avLst/>
+          </a:prstGeom>
+        </p:spPr>
+      </p:pic>
     </p:spTree>
     <p:extLst>
       <p:ext uri="{BB962C8B-B14F-4D97-AF65-F5344CB8AC3E}">
@@ -34723,49 +34929,85 @@
           <a:p>
             <a:r>
               <a:rPr lang="zh-CN" altLang="en-US" sz="3200" dirty="0"/>
-              <a:t>描述角色以及角色与用例之间的连接关系。说明的是谁要使用系统，以及他们使用该系统可以做些什么。用例图有四个部分：用例（</a:t>
-            </a:r>
-            <a:r>
-              <a:rPr lang="en-US" altLang="zh-CN" sz="3200" dirty="0"/>
+              <a:t>描述角色以及角色与用例之间的连接关系。说明的是谁要使用系统，以及他们使用该系统可以做些什么。用例图有四个部分：</a:t>
+            </a:r>
+            <a:r>
+              <a:rPr lang="zh-CN" altLang="en-US" sz="3200" dirty="0">
+                <a:solidFill>
+                  <a:srgbClr val="FF0000"/>
+                </a:solidFill>
+              </a:rPr>
+              <a:t>用例（</a:t>
+            </a:r>
+            <a:r>
+              <a:rPr lang="en-US" altLang="zh-CN" sz="3200" dirty="0">
+                <a:solidFill>
+                  <a:srgbClr val="FF0000"/>
+                </a:solidFill>
+              </a:rPr>
               <a:t>Use Case), </a:t>
             </a:r>
             <a:r>
-              <a:rPr lang="zh-CN" altLang="en-US" sz="3200" dirty="0"/>
+              <a:rPr lang="zh-CN" altLang="en-US" sz="3200" dirty="0">
+                <a:solidFill>
+                  <a:srgbClr val="FF0000"/>
+                </a:solidFill>
+              </a:rPr>
               <a:t>参与者（</a:t>
             </a:r>
             <a:r>
-              <a:rPr lang="en-US" altLang="zh-CN" sz="3200" dirty="0"/>
+              <a:rPr lang="en-US" altLang="zh-CN" sz="3200" dirty="0">
+                <a:solidFill>
+                  <a:srgbClr val="FF0000"/>
+                </a:solidFill>
+              </a:rPr>
               <a:t>Actor),</a:t>
             </a:r>
             <a:r>
-              <a:rPr lang="zh-CN" altLang="en-US" sz="3200" dirty="0" smtClean="0"/>
+              <a:rPr lang="zh-CN" altLang="en-US" sz="3200" dirty="0" smtClean="0">
+                <a:solidFill>
+                  <a:srgbClr val="FF0000"/>
+                </a:solidFill>
+              </a:rPr>
               <a:t>系统边界</a:t>
             </a:r>
             <a:r>
-              <a:rPr lang="en-US" altLang="zh-CN" sz="3200" dirty="0" smtClean="0"/>
+              <a:rPr lang="en-US" altLang="zh-CN" sz="3200" dirty="0" smtClean="0">
+                <a:solidFill>
+                  <a:srgbClr val="FF0000"/>
+                </a:solidFill>
+              </a:rPr>
               <a:t>(System Scope)</a:t>
             </a:r>
             <a:r>
-              <a:rPr lang="zh-CN" altLang="en-US" sz="3200" dirty="0" smtClean="0"/>
-              <a:t>，关</a:t>
-            </a:r>
-            <a:r>
-              <a:rPr lang="zh-CN" altLang="en-US" sz="3200" dirty="0" smtClean="0"/>
-              <a:t>联（</a:t>
-            </a:r>
-            <a:r>
-              <a:rPr lang="en-US" altLang="zh-CN" sz="3200" dirty="0" smtClean="0"/>
+              <a:rPr lang="zh-CN" altLang="en-US" sz="3200" dirty="0" smtClean="0">
+                <a:solidFill>
+                  <a:srgbClr val="FF0000"/>
+                </a:solidFill>
+              </a:rPr>
+              <a:t>，关联（</a:t>
+            </a:r>
+            <a:r>
+              <a:rPr lang="en-US" altLang="zh-CN" sz="3200" dirty="0" smtClean="0">
+                <a:solidFill>
+                  <a:srgbClr val="FF0000"/>
+                </a:solidFill>
+              </a:rPr>
               <a:t>Association</a:t>
             </a:r>
             <a:r>
-              <a:rPr lang="zh-CN" altLang="en-US" sz="3200" dirty="0" smtClean="0"/>
-              <a:t>）</a:t>
-            </a:r>
-            <a:r>
-              <a:rPr lang="zh-CN" altLang="en-US" sz="3200" dirty="0" smtClean="0"/>
-              <a:t>。</a:t>
-            </a:r>
-            <a:endParaRPr lang="zh-CN" altLang="en-US" sz="3200" dirty="0"/>
+              <a:rPr lang="zh-CN" altLang="en-US" sz="3200" dirty="0" smtClean="0">
+                <a:solidFill>
+                  <a:srgbClr val="FF0000"/>
+                </a:solidFill>
+              </a:rPr>
+              <a:t>）。</a:t>
+            </a:r>
+            <a:endParaRPr lang="zh-CN" altLang="en-US" sz="3200" dirty="0">
+              <a:solidFill>
+                <a:srgbClr val="FF0000"/>
+              </a:solidFill>
+            </a:endParaRPr>
           </a:p>
         </p:txBody>
       </p:sp>
@@ -35960,17 +36202,7 @@
                 <a:latin typeface="Arial" pitchFamily="34" charset="0"/>
                 <a:ea typeface="宋体" pitchFamily="2" charset="-122"/>
               </a:rPr>
-              <a:t>李文杰</a:t>
-            </a:r>
-            <a:r>
-              <a:rPr lang="zh-CN" altLang="en-US" sz="2800" dirty="0" smtClean="0">
-                <a:solidFill>
-                  <a:prstClr val="black"/>
-                </a:solidFill>
-                <a:latin typeface="Arial" pitchFamily="34" charset="0"/>
-                <a:ea typeface="宋体" pitchFamily="2" charset="-122"/>
-              </a:rPr>
-              <a:t>：修改甘特图及开发计划、前景与范围文档初稿、制作</a:t>
+              <a:t>李文杰：修改甘特图及开发计划、前景与范围文档初稿、制作</a:t>
             </a:r>
             <a:r>
               <a:rPr lang="en-US" altLang="zh-CN" sz="2800" dirty="0" err="1" smtClean="0">
@@ -36061,27 +36293,7 @@
                 <a:latin typeface="Arial" pitchFamily="34" charset="0"/>
                 <a:ea typeface="宋体" pitchFamily="2" charset="-122"/>
               </a:rPr>
-              <a:t>赵</a:t>
-            </a:r>
-            <a:r>
-              <a:rPr lang="zh-CN" altLang="en-US" sz="2800" dirty="0" smtClean="0">
-                <a:solidFill>
-                  <a:prstClr val="black"/>
-                </a:solidFill>
-                <a:latin typeface="Arial" pitchFamily="34" charset="0"/>
-                <a:ea typeface="宋体" pitchFamily="2" charset="-122"/>
-              </a:rPr>
-              <a:t>伟</a:t>
-            </a:r>
-            <a:r>
-              <a:rPr lang="zh-CN" altLang="en-US" sz="2800" dirty="0" smtClean="0">
-                <a:solidFill>
-                  <a:prstClr val="black"/>
-                </a:solidFill>
-                <a:latin typeface="Arial" pitchFamily="34" charset="0"/>
-                <a:ea typeface="宋体" pitchFamily="2" charset="-122"/>
-              </a:rPr>
-              <a:t>：修改可行性报告、项目章程、</a:t>
+              <a:t>赵伟：修改可行性报告、项目章程、</a:t>
             </a:r>
             <a:r>
               <a:rPr lang="en-US" altLang="zh-CN" sz="2800" dirty="0" smtClean="0">
@@ -37750,23 +37962,51 @@
           <a:p>
             <a:r>
               <a:rPr lang="zh-CN" altLang="en-US" sz="2800" dirty="0" smtClean="0"/>
-              <a:t>　　参与者是与系统交互的人或物。首先当然包括我们的开发系统用户，除此之外，与我们开发的系统有关联的其他系统也算是参与者。</a:t>
-            </a:r>
-          </a:p>
-          <a:p>
+              <a:t>　　</a:t>
+            </a:r>
+            <a:r>
+              <a:rPr lang="zh-CN" altLang="en-US" sz="2800" dirty="0" smtClean="0">
+                <a:solidFill>
+                  <a:srgbClr val="FF0000"/>
+                </a:solidFill>
+              </a:rPr>
+              <a:t>参与者是与系统交互的人或物。</a:t>
+            </a:r>
             <a:r>
               <a:rPr lang="zh-CN" altLang="en-US" sz="2800" dirty="0" smtClean="0"/>
+              <a:t>首先当然包括我们的开发系统用户，除此之外，与我们开发的系统有关联的其他系统也算是参与者。</a:t>
+            </a:r>
+          </a:p>
+          <a:p>
+            <a:r>
+              <a:rPr lang="zh-CN" altLang="en-US" sz="2800" dirty="0" smtClean="0">
+                <a:solidFill>
+                  <a:srgbClr val="FF0000"/>
+                </a:solidFill>
+              </a:rPr>
               <a:t>在</a:t>
             </a:r>
             <a:r>
-              <a:rPr lang="en-US" altLang="zh-CN" sz="2800" dirty="0" smtClean="0"/>
+              <a:rPr lang="en-US" altLang="zh-CN" sz="2800" dirty="0" smtClean="0">
+                <a:solidFill>
+                  <a:srgbClr val="FF0000"/>
+                </a:solidFill>
+              </a:rPr>
               <a:t>UML</a:t>
             </a:r>
             <a:r>
-              <a:rPr lang="zh-CN" altLang="en-US" sz="2800" dirty="0" smtClean="0"/>
+              <a:rPr lang="zh-CN" altLang="en-US" sz="2800" dirty="0" smtClean="0">
+                <a:solidFill>
+                  <a:srgbClr val="FF0000"/>
+                </a:solidFill>
+              </a:rPr>
               <a:t>图中我们用一个小人表示。</a:t>
             </a:r>
-            <a:endParaRPr lang="zh-CN" altLang="en-US" sz="2800" dirty="0"/>
+            <a:endParaRPr lang="zh-CN" altLang="en-US" sz="2800" dirty="0">
+              <a:solidFill>
+                <a:srgbClr val="FF0000"/>
+              </a:solidFill>
+            </a:endParaRPr>
           </a:p>
         </p:txBody>
       </p:sp>
@@ -37885,20 +38125,48 @@
             </a:r>
             <a:r>
               <a:rPr lang="zh-CN" altLang="en-US" sz="2800" dirty="0"/>
-              <a:t>　　用例是参与者可以感受到的系统服务或功能单元。我理解的就是用户可以使用我们开发的项目去做的任何事情</a:t>
-            </a:r>
-          </a:p>
-          <a:p>
+              <a:t>　　</a:t>
+            </a:r>
+            <a:r>
+              <a:rPr lang="zh-CN" altLang="en-US" sz="2800" dirty="0">
+                <a:solidFill>
+                  <a:srgbClr val="FF0000"/>
+                </a:solidFill>
+              </a:rPr>
+              <a:t>用例是参与者可以感受到的系统服务或功能单元。</a:t>
+            </a:r>
             <a:r>
               <a:rPr lang="zh-CN" altLang="en-US" sz="2800" dirty="0"/>
-              <a:t>任何用例都不能在缺少参与者的情况下独立存在，同样，任何参与者也必须要有与之关联的用例。在</a:t>
-            </a:r>
-            <a:r>
-              <a:rPr lang="en-US" altLang="zh-CN" sz="2800" dirty="0"/>
+              <a:t>我理解的就是用户可以使用我们开发的项目去做的任何事情</a:t>
+            </a:r>
+          </a:p>
+          <a:p>
+            <a:r>
+              <a:rPr lang="zh-CN" altLang="en-US" sz="2800" dirty="0"/>
+              <a:t>任何用例都不能在缺少参与者的情况下独立存在，同样，任何参与者也必须要有与之关联的用例。</a:t>
+            </a:r>
+            <a:r>
+              <a:rPr lang="zh-CN" altLang="en-US" sz="2800" dirty="0">
+                <a:solidFill>
+                  <a:srgbClr val="FF0000"/>
+                </a:solidFill>
+              </a:rPr>
+              <a:t>在</a:t>
+            </a:r>
+            <a:r>
+              <a:rPr lang="en-US" altLang="zh-CN" sz="2800" dirty="0">
+                <a:solidFill>
+                  <a:srgbClr val="FF0000"/>
+                </a:solidFill>
+              </a:rPr>
               <a:t>UML</a:t>
             </a:r>
             <a:r>
-              <a:rPr lang="zh-CN" altLang="en-US" sz="2800" dirty="0"/>
+              <a:rPr lang="zh-CN" altLang="en-US" sz="2800" dirty="0">
+                <a:solidFill>
+                  <a:srgbClr val="FF0000"/>
+                </a:solidFill>
+              </a:rPr>
               <a:t>图中我们用椭圆表示：</a:t>
             </a:r>
           </a:p>
@@ -38011,20 +38279,44 @@
           <a:p>
             <a:r>
               <a:rPr lang="zh-CN" altLang="en-US" sz="2800" dirty="0"/>
-              <a:t>　　指系统与系统之间的界限。把系统边界以外的同系统相关联的其他部分称为系统环境。</a:t>
-            </a:r>
-          </a:p>
-          <a:p>
+              <a:t>　　</a:t>
+            </a:r>
+            <a:r>
+              <a:rPr lang="zh-CN" altLang="en-US" sz="2800" dirty="0">
+                <a:solidFill>
+                  <a:srgbClr val="FF0000"/>
+                </a:solidFill>
+              </a:rPr>
+              <a:t>指系统与系统之间的界限。</a:t>
+            </a:r>
             <a:r>
               <a:rPr lang="zh-CN" altLang="en-US" sz="2800" dirty="0"/>
+              <a:t>把系统边界以外的同系统相关联的其他部分称为系统环境。</a:t>
+            </a:r>
+          </a:p>
+          <a:p>
+            <a:r>
+              <a:rPr lang="zh-CN" altLang="en-US" sz="2800" dirty="0">
+                <a:solidFill>
+                  <a:srgbClr val="FF0000"/>
+                </a:solidFill>
+              </a:rPr>
               <a:t>在</a:t>
             </a:r>
             <a:r>
-              <a:rPr lang="en-US" altLang="zh-CN" sz="2800" dirty="0"/>
+              <a:rPr lang="en-US" altLang="zh-CN" sz="2800" dirty="0">
+                <a:solidFill>
+                  <a:srgbClr val="FF0000"/>
+                </a:solidFill>
+              </a:rPr>
               <a:t>UML</a:t>
             </a:r>
             <a:r>
-              <a:rPr lang="zh-CN" altLang="en-US" sz="2800" dirty="0"/>
+              <a:rPr lang="zh-CN" altLang="en-US" sz="2800" dirty="0">
+                <a:solidFill>
+                  <a:srgbClr val="FF0000"/>
+                </a:solidFill>
+              </a:rPr>
               <a:t>图中我们用一个矩形表示。</a:t>
             </a:r>
           </a:p>
@@ -38117,7 +38409,7 @@
         <p:spPr>
           <a:xfrm>
             <a:off x="251520" y="308997"/>
-            <a:ext cx="8712968" cy="2246769"/>
+            <a:ext cx="8712968" cy="2677656"/>
           </a:xfrm>
           <a:prstGeom prst="rect">
             <a:avLst/>
@@ -38145,7 +38437,15 @@
             </a:r>
             <a:r>
               <a:rPr lang="zh-CN" altLang="en-US" sz="2800" dirty="0"/>
-              <a:t>种：关联，泛化，包含和扩展。</a:t>
+              <a:t>种：</a:t>
+            </a:r>
+            <a:r>
+              <a:rPr lang="zh-CN" altLang="en-US" sz="2800" dirty="0">
+                <a:solidFill>
+                  <a:srgbClr val="FF0000"/>
+                </a:solidFill>
+              </a:rPr>
+              <a:t>关联，泛化，包含和扩展。</a:t>
             </a:r>
           </a:p>
           <a:p>
@@ -38157,16 +38457,61 @@
           <a:p>
             <a:r>
               <a:rPr lang="zh-CN" altLang="en-US" sz="2800" dirty="0"/>
-              <a:t>　　箭头指向：指向消息接收方。在</a:t>
-            </a:r>
-            <a:r>
-              <a:rPr lang="en-US" altLang="zh-CN" sz="2800" dirty="0"/>
+              <a:t>　　箭头指向：指向消息接收方。</a:t>
+            </a:r>
+            <a:r>
+              <a:rPr lang="zh-CN" altLang="en-US" sz="2800" dirty="0">
+                <a:solidFill>
+                  <a:srgbClr val="FF0000"/>
+                </a:solidFill>
+              </a:rPr>
+              <a:t>在</a:t>
+            </a:r>
+            <a:r>
+              <a:rPr lang="en-US" altLang="zh-CN" sz="2800" dirty="0">
+                <a:solidFill>
+                  <a:srgbClr val="FF0000"/>
+                </a:solidFill>
+              </a:rPr>
               <a:t>UML</a:t>
             </a:r>
             <a:r>
-              <a:rPr lang="zh-CN" altLang="en-US" sz="2800" dirty="0"/>
-              <a:t>中用直线表示</a:t>
-            </a:r>
+              <a:rPr lang="zh-CN" altLang="en-US" sz="2800" dirty="0">
+                <a:solidFill>
+                  <a:srgbClr val="FF0000"/>
+                </a:solidFill>
+              </a:rPr>
+              <a:t>中用</a:t>
+            </a:r>
+            <a:r>
+              <a:rPr lang="zh-CN" altLang="en-US" sz="2800" dirty="0" smtClean="0">
+                <a:solidFill>
+                  <a:srgbClr val="FF0000"/>
+                </a:solidFill>
+              </a:rPr>
+              <a:t>直线</a:t>
+            </a:r>
+            <a:r>
+              <a:rPr lang="zh-CN" altLang="en-US" sz="2800" dirty="0" smtClean="0">
+                <a:solidFill>
+                  <a:srgbClr val="FF0000"/>
+                </a:solidFill>
+              </a:rPr>
+              <a:t>或带箭头的直线</a:t>
+            </a:r>
+            <a:r>
+              <a:rPr lang="zh-CN" altLang="en-US" sz="2800" dirty="0" smtClean="0">
+                <a:solidFill>
+                  <a:srgbClr val="FF0000"/>
+                </a:solidFill>
+              </a:rPr>
+              <a:t>表示。</a:t>
+            </a:r>
+            <a:endParaRPr lang="zh-CN" altLang="en-US" sz="2800" dirty="0">
+              <a:solidFill>
+                <a:srgbClr val="FF0000"/>
+              </a:solidFill>
+            </a:endParaRPr>
           </a:p>
         </p:txBody>
       </p:sp>
@@ -38254,7 +38599,19 @@
           <a:p>
             <a:r>
               <a:rPr lang="zh-CN" altLang="en-US" sz="2800" dirty="0"/>
-              <a:t>包含：包含关系用来把一个较复杂的用例所表示的功能分解成较小的步骤。包含用例是必须的，如果缺少包含用例，</a:t>
+              <a:t>包含：</a:t>
+            </a:r>
+            <a:r>
+              <a:rPr lang="zh-CN" altLang="en-US" sz="2800" dirty="0">
+                <a:solidFill>
+                  <a:srgbClr val="FF0000"/>
+                </a:solidFill>
+              </a:rPr>
+              <a:t>包含关系用来把一个较复杂的用例所表示的功能分解成较小的步骤。</a:t>
+            </a:r>
+            <a:r>
+              <a:rPr lang="zh-CN" altLang="en-US" sz="2800" dirty="0"/>
+              <a:t>包含用例是必须的，如果缺少包含用例，</a:t>
             </a:r>
             <a:r>
               <a:rPr lang="zh-CN" altLang="en-US" sz="2800" dirty="0" smtClean="0"/>
@@ -38268,22 +38625,46 @@
           <a:p>
             <a:r>
               <a:rPr lang="zh-CN" altLang="en-US" sz="2800" dirty="0"/>
-              <a:t>包含关系最典型的应用就是复用。这种情况类似与在过程设计语言中，将程序的某一段算法封装成一个子过程，然后在从主程序中调用这一子过程。在</a:t>
-            </a:r>
-            <a:r>
-              <a:rPr lang="en-US" altLang="zh-CN" sz="2800" dirty="0"/>
+              <a:t>包含关系最典型的应用就是复用。这种情况类似与在过程设计语言中，将程序的某一段算法封装成一个子过程，然后在从主程序中调用这一子过程。</a:t>
+            </a:r>
+            <a:r>
+              <a:rPr lang="zh-CN" altLang="en-US" sz="2800" dirty="0">
+                <a:solidFill>
+                  <a:srgbClr val="FF0000"/>
+                </a:solidFill>
+              </a:rPr>
+              <a:t>在</a:t>
+            </a:r>
+            <a:r>
+              <a:rPr lang="en-US" altLang="zh-CN" sz="2800" dirty="0">
+                <a:solidFill>
+                  <a:srgbClr val="FF0000"/>
+                </a:solidFill>
+              </a:rPr>
               <a:t>UML</a:t>
             </a:r>
             <a:r>
-              <a:rPr lang="zh-CN" altLang="en-US" sz="2800" dirty="0"/>
+              <a:rPr lang="zh-CN" altLang="en-US" sz="2800" dirty="0">
+                <a:solidFill>
+                  <a:srgbClr val="FF0000"/>
+                </a:solidFill>
+              </a:rPr>
               <a:t>中，包含关系用带箭头的虚线段加</a:t>
             </a:r>
             <a:r>
-              <a:rPr lang="en-US" altLang="zh-CN" sz="2800" dirty="0"/>
+              <a:rPr lang="en-US" altLang="zh-CN" sz="2800" dirty="0">
+                <a:solidFill>
+                  <a:srgbClr val="FF0000"/>
+                </a:solidFill>
+              </a:rPr>
               <a:t>《include》</a:t>
             </a:r>
             <a:r>
-              <a:rPr lang="zh-CN" altLang="en-US" sz="2800" dirty="0"/>
+              <a:rPr lang="zh-CN" altLang="en-US" sz="2800" dirty="0">
+                <a:solidFill>
+                  <a:srgbClr val="FF0000"/>
+                </a:solidFill>
+              </a:rPr>
               <a:t>表示，箭头指向被包含的用例。</a:t>
             </a:r>
           </a:p>
